--- a/Deliverables/E3toE4_Schluss_Praesi.pptx
+++ b/Deliverables/E3toE4_Schluss_Praesi.pptx
@@ -5,14 +5,19 @@
     <p:sldMasterId id="2147483756" r:id="rId1"/>
   </p:sldMasterIdLst>
   <p:notesMasterIdLst>
-    <p:notesMasterId r:id="rId7"/>
+    <p:notesMasterId r:id="rId12"/>
   </p:notesMasterIdLst>
   <p:sldIdLst>
     <p:sldId id="256" r:id="rId2"/>
     <p:sldId id="271" r:id="rId3"/>
-    <p:sldId id="272" r:id="rId4"/>
-    <p:sldId id="273" r:id="rId5"/>
-    <p:sldId id="270" r:id="rId6"/>
+    <p:sldId id="274" r:id="rId4"/>
+    <p:sldId id="275" r:id="rId5"/>
+    <p:sldId id="276" r:id="rId6"/>
+    <p:sldId id="277" r:id="rId7"/>
+    <p:sldId id="278" r:id="rId8"/>
+    <p:sldId id="272" r:id="rId9"/>
+    <p:sldId id="273" r:id="rId10"/>
+    <p:sldId id="270" r:id="rId11"/>
   </p:sldIdLst>
   <p:sldSz cx="9144000" cy="6858000" type="screen4x3"/>
   <p:notesSz cx="6858000" cy="9144000"/>
@@ -196,7 +201,7 @@
           <a:p>
             <a:fld id="{AB9CE4EA-7688-499F-AED8-71A37761EBB0}" type="datetimeFigureOut">
               <a:rPr lang="de-CH" smtClean="0"/>
-              <a:t>09.09.2013</a:t>
+              <a:t>14.09.2013</a:t>
             </a:fld>
             <a:endParaRPr lang="de-CH"/>
           </a:p>
@@ -1291,7 +1296,7 @@
           <a:p>
             <a:fld id="{1BA50D42-C9CD-4801-B293-61D1F53EC57E}" type="datetimeFigureOut">
               <a:rPr lang="de-DE" smtClean="0"/>
-              <a:t>09.09.2013</a:t>
+              <a:t>14.09.2013</a:t>
             </a:fld>
             <a:endParaRPr lang="de-DE"/>
           </a:p>
@@ -2014,7 +2019,7 @@
           <a:p>
             <a:fld id="{1BA50D42-C9CD-4801-B293-61D1F53EC57E}" type="datetimeFigureOut">
               <a:rPr lang="de-DE" smtClean="0"/>
-              <a:t>09.09.2013</a:t>
+              <a:t>14.09.2013</a:t>
             </a:fld>
             <a:endParaRPr lang="de-DE"/>
           </a:p>
@@ -2150,7 +2155,7 @@
           <a:p>
             <a:fld id="{1BA50D42-C9CD-4801-B293-61D1F53EC57E}" type="datetimeFigureOut">
               <a:rPr lang="de-DE" smtClean="0"/>
-              <a:t>09.09.2013</a:t>
+              <a:t>14.09.2013</a:t>
             </a:fld>
             <a:endParaRPr lang="de-DE"/>
           </a:p>
@@ -2546,7 +2551,7 @@
           <a:p>
             <a:fld id="{1BA50D42-C9CD-4801-B293-61D1F53EC57E}" type="datetimeFigureOut">
               <a:rPr lang="de-DE" smtClean="0"/>
-              <a:t>09.09.2013</a:t>
+              <a:t>14.09.2013</a:t>
             </a:fld>
             <a:endParaRPr lang="de-DE"/>
           </a:p>
@@ -2796,7 +2801,7 @@
           <a:p>
             <a:fld id="{1BA50D42-C9CD-4801-B293-61D1F53EC57E}" type="datetimeFigureOut">
               <a:rPr lang="de-DE" smtClean="0"/>
-              <a:t>09.09.2013</a:t>
+              <a:t>14.09.2013</a:t>
             </a:fld>
             <a:endParaRPr lang="de-DE"/>
           </a:p>
@@ -2909,7 +2914,7 @@
           <a:p>
             <a:fld id="{1BA50D42-C9CD-4801-B293-61D1F53EC57E}" type="datetimeFigureOut">
               <a:rPr lang="de-DE" smtClean="0"/>
-              <a:t>09.09.2013</a:t>
+              <a:t>14.09.2013</a:t>
             </a:fld>
             <a:endParaRPr lang="de-DE"/>
           </a:p>
@@ -3754,7 +3759,7 @@
           <a:p>
             <a:fld id="{1BA50D42-C9CD-4801-B293-61D1F53EC57E}" type="datetimeFigureOut">
               <a:rPr lang="de-DE" smtClean="0"/>
-              <a:t>09.09.2013</a:t>
+              <a:t>14.09.2013</a:t>
             </a:fld>
             <a:endParaRPr lang="de-DE"/>
           </a:p>
@@ -4598,7 +4603,7 @@
           <a:p>
             <a:fld id="{1BA50D42-C9CD-4801-B293-61D1F53EC57E}" type="datetimeFigureOut">
               <a:rPr lang="de-DE" smtClean="0"/>
-              <a:t>09.09.2013</a:t>
+              <a:t>14.09.2013</a:t>
             </a:fld>
             <a:endParaRPr lang="de-DE"/>
           </a:p>
@@ -5875,6 +5880,96 @@
 </p:sld>
 </file>
 
+<file path=ppt/slides/slide10.xml><?xml version="1.0" encoding="utf-8"?>
+<p:sld xmlns:a="http://schemas.openxmlformats.org/drawingml/2006/main" xmlns:r="http://schemas.openxmlformats.org/officeDocument/2006/relationships" xmlns:p="http://schemas.openxmlformats.org/presentationml/2006/main">
+  <p:cSld>
+    <p:spTree>
+      <p:nvGrpSpPr>
+        <p:cNvPr id="1" name=""/>
+        <p:cNvGrpSpPr/>
+        <p:nvPr/>
+      </p:nvGrpSpPr>
+      <p:grpSpPr>
+        <a:xfrm>
+          <a:off x="0" y="0"/>
+          <a:ext cx="0" cy="0"/>
+          <a:chOff x="0" y="0"/>
+          <a:chExt cx="0" cy="0"/>
+        </a:xfrm>
+      </p:grpSpPr>
+      <p:sp>
+        <p:nvSpPr>
+          <p:cNvPr id="2" name="Titel 1"/>
+          <p:cNvSpPr>
+            <a:spLocks noGrp="1"/>
+          </p:cNvSpPr>
+          <p:nvPr>
+            <p:ph type="title"/>
+          </p:nvPr>
+        </p:nvSpPr>
+        <p:spPr/>
+        <p:txBody>
+          <a:bodyPr>
+            <a:normAutofit/>
+          </a:bodyPr>
+          <a:lstStyle/>
+          <a:p>
+            <a:r>
+              <a:rPr lang="de-CH" dirty="0" smtClean="0"/>
+              <a:t>Fragen</a:t>
+            </a:r>
+            <a:endParaRPr lang="de-CH" dirty="0"/>
+          </a:p>
+        </p:txBody>
+      </p:sp>
+      <p:sp>
+        <p:nvSpPr>
+          <p:cNvPr id="3" name="Inhaltsplatzhalter 2"/>
+          <p:cNvSpPr>
+            <a:spLocks noGrp="1"/>
+          </p:cNvSpPr>
+          <p:nvPr>
+            <p:ph idx="1"/>
+          </p:nvPr>
+        </p:nvSpPr>
+        <p:spPr/>
+        <p:txBody>
+          <a:bodyPr>
+            <a:normAutofit/>
+          </a:bodyPr>
+          <a:lstStyle/>
+          <a:p>
+            <a:pPr marL="0" indent="0">
+              <a:buNone/>
+            </a:pPr>
+            <a:r>
+              <a:rPr lang="de-CH" sz="20000" dirty="0" smtClean="0"/>
+              <a:t>   ?</a:t>
+            </a:r>
+            <a:endParaRPr lang="de-CH" sz="20000" dirty="0"/>
+          </a:p>
+        </p:txBody>
+      </p:sp>
+    </p:spTree>
+    <p:extLst>
+      <p:ext uri="{BB962C8B-B14F-4D97-AF65-F5344CB8AC3E}">
+        <p14:creationId xmlns:p14="http://schemas.microsoft.com/office/powerpoint/2010/main" val="55472381"/>
+      </p:ext>
+    </p:extLst>
+  </p:cSld>
+  <p:clrMapOvr>
+    <a:masterClrMapping/>
+  </p:clrMapOvr>
+  <p:timing>
+    <p:tnLst>
+      <p:par>
+        <p:cTn id="1" dur="indefinite" restart="never" nodeType="tmRoot"/>
+      </p:par>
+    </p:tnLst>
+  </p:timing>
+</p:sld>
+</file>
+
 <file path=ppt/slides/slide2.xml><?xml version="1.0" encoding="utf-8"?>
 <p:sld xmlns:a="http://schemas.openxmlformats.org/drawingml/2006/main" xmlns:r="http://schemas.openxmlformats.org/officeDocument/2006/relationships" xmlns:p="http://schemas.openxmlformats.org/presentationml/2006/main">
   <p:cSld>
@@ -6056,7 +6151,7 @@
           <a:p>
             <a:r>
               <a:rPr lang="de-CH" dirty="0" smtClean="0"/>
-              <a:t>Resultat</a:t>
+              <a:t>Vorbereitung/A-Ermittlung</a:t>
             </a:r>
             <a:endParaRPr lang="de-CH" dirty="0"/>
           </a:p>
@@ -6080,10 +6175,7 @@
             <a:pPr marL="0" indent="0">
               <a:buNone/>
             </a:pPr>
-            <a:r>
-              <a:rPr lang="de-CH" dirty="0" smtClean="0"/>
-              <a:t>Was?</a:t>
-            </a:r>
+            <a:endParaRPr lang="de-CH" dirty="0" smtClean="0"/>
           </a:p>
           <a:p>
             <a:endParaRPr lang="de-CH" dirty="0"/>
@@ -6099,7 +6191,7 @@
     </p:spTree>
     <p:extLst>
       <p:ext uri="{BB962C8B-B14F-4D97-AF65-F5344CB8AC3E}">
-        <p14:creationId xmlns:p14="http://schemas.microsoft.com/office/powerpoint/2010/main" val="1601030038"/>
+        <p14:creationId xmlns:p14="http://schemas.microsoft.com/office/powerpoint/2010/main" val="2326942852"/>
       </p:ext>
     </p:extLst>
   </p:cSld>
@@ -6150,7 +6242,7 @@
           <a:p>
             <a:r>
               <a:rPr lang="de-CH" dirty="0" smtClean="0"/>
-              <a:t>Fazit</a:t>
+              <a:t>Mixing E3 / E4</a:t>
             </a:r>
             <a:endParaRPr lang="de-CH" dirty="0"/>
           </a:p>
@@ -6174,10 +6266,6 @@
             <a:pPr marL="0" indent="0">
               <a:buNone/>
             </a:pPr>
-            <a:r>
-              <a:rPr lang="de-CH" smtClean="0"/>
-              <a:t>Ja Nein Aber</a:t>
-            </a:r>
             <a:endParaRPr lang="de-CH" dirty="0" smtClean="0"/>
           </a:p>
           <a:p>
@@ -6194,7 +6282,7 @@
     </p:spTree>
     <p:extLst>
       <p:ext uri="{BB962C8B-B14F-4D97-AF65-F5344CB8AC3E}">
-        <p14:creationId xmlns:p14="http://schemas.microsoft.com/office/powerpoint/2010/main" val="3092822627"/>
+        <p14:creationId xmlns:p14="http://schemas.microsoft.com/office/powerpoint/2010/main" val="1145162659"/>
       </p:ext>
     </p:extLst>
   </p:cSld>
@@ -6240,6 +6328,190 @@
         </p:nvSpPr>
         <p:spPr/>
         <p:txBody>
+          <a:bodyPr/>
+          <a:lstStyle/>
+          <a:p>
+            <a:r>
+              <a:rPr lang="de-CH" dirty="0" smtClean="0"/>
+              <a:t>DI / Adapters</a:t>
+            </a:r>
+            <a:endParaRPr lang="de-CH" dirty="0"/>
+          </a:p>
+        </p:txBody>
+      </p:sp>
+      <p:sp>
+        <p:nvSpPr>
+          <p:cNvPr id="3" name="Inhaltsplatzhalter 2"/>
+          <p:cNvSpPr>
+            <a:spLocks noGrp="1"/>
+          </p:cNvSpPr>
+          <p:nvPr>
+            <p:ph idx="1"/>
+          </p:nvPr>
+        </p:nvSpPr>
+        <p:spPr/>
+        <p:txBody>
+          <a:bodyPr/>
+          <a:lstStyle/>
+          <a:p>
+            <a:pPr marL="0" indent="0">
+              <a:buNone/>
+            </a:pPr>
+            <a:endParaRPr lang="de-CH" dirty="0" smtClean="0"/>
+          </a:p>
+          <a:p>
+            <a:endParaRPr lang="de-CH" dirty="0"/>
+          </a:p>
+          <a:p>
+            <a:pPr marL="0" indent="0">
+              <a:buNone/>
+            </a:pPr>
+            <a:endParaRPr lang="de-CH" dirty="0"/>
+          </a:p>
+        </p:txBody>
+      </p:sp>
+    </p:spTree>
+    <p:extLst>
+      <p:ext uri="{BB962C8B-B14F-4D97-AF65-F5344CB8AC3E}">
+        <p14:creationId xmlns:p14="http://schemas.microsoft.com/office/powerpoint/2010/main" val="3191016962"/>
+      </p:ext>
+    </p:extLst>
+  </p:cSld>
+  <p:clrMapOvr>
+    <a:masterClrMapping/>
+  </p:clrMapOvr>
+  <p:timing>
+    <p:tnLst>
+      <p:par>
+        <p:cTn id="1" dur="indefinite" restart="never" nodeType="tmRoot"/>
+      </p:par>
+    </p:tnLst>
+  </p:timing>
+</p:sld>
+</file>
+
+<file path=ppt/slides/slide6.xml><?xml version="1.0" encoding="utf-8"?>
+<p:sld xmlns:a="http://schemas.openxmlformats.org/drawingml/2006/main" xmlns:r="http://schemas.openxmlformats.org/officeDocument/2006/relationships" xmlns:p="http://schemas.openxmlformats.org/presentationml/2006/main">
+  <p:cSld>
+    <p:spTree>
+      <p:nvGrpSpPr>
+        <p:cNvPr id="1" name=""/>
+        <p:cNvGrpSpPr/>
+        <p:nvPr/>
+      </p:nvGrpSpPr>
+      <p:grpSpPr>
+        <a:xfrm>
+          <a:off x="0" y="0"/>
+          <a:ext cx="0" cy="0"/>
+          <a:chOff x="0" y="0"/>
+          <a:chExt cx="0" cy="0"/>
+        </a:xfrm>
+      </p:grpSpPr>
+      <p:sp>
+        <p:nvSpPr>
+          <p:cNvPr id="2" name="Titel 1"/>
+          <p:cNvSpPr>
+            <a:spLocks noGrp="1"/>
+          </p:cNvSpPr>
+          <p:nvPr>
+            <p:ph type="title"/>
+          </p:nvPr>
+        </p:nvSpPr>
+        <p:spPr/>
+        <p:txBody>
+          <a:bodyPr>
+            <a:normAutofit fontScale="90000"/>
+          </a:bodyPr>
+          <a:lstStyle/>
+          <a:p>
+            <a:r>
+              <a:rPr lang="de-CH" dirty="0" smtClean="0"/>
+              <a:t>Command, Handler, Menu, Key Binding</a:t>
+            </a:r>
+            <a:endParaRPr lang="de-CH" dirty="0"/>
+          </a:p>
+        </p:txBody>
+      </p:sp>
+      <p:sp>
+        <p:nvSpPr>
+          <p:cNvPr id="3" name="Inhaltsplatzhalter 2"/>
+          <p:cNvSpPr>
+            <a:spLocks noGrp="1"/>
+          </p:cNvSpPr>
+          <p:nvPr>
+            <p:ph idx="1"/>
+          </p:nvPr>
+        </p:nvSpPr>
+        <p:spPr/>
+        <p:txBody>
+          <a:bodyPr/>
+          <a:lstStyle/>
+          <a:p>
+            <a:pPr marL="0" indent="0">
+              <a:buNone/>
+            </a:pPr>
+            <a:endParaRPr lang="de-CH" dirty="0" smtClean="0"/>
+          </a:p>
+          <a:p>
+            <a:endParaRPr lang="de-CH" dirty="0"/>
+          </a:p>
+          <a:p>
+            <a:pPr marL="0" indent="0">
+              <a:buNone/>
+            </a:pPr>
+            <a:endParaRPr lang="de-CH" dirty="0"/>
+          </a:p>
+        </p:txBody>
+      </p:sp>
+    </p:spTree>
+    <p:extLst>
+      <p:ext uri="{BB962C8B-B14F-4D97-AF65-F5344CB8AC3E}">
+        <p14:creationId xmlns:p14="http://schemas.microsoft.com/office/powerpoint/2010/main" val="571929181"/>
+      </p:ext>
+    </p:extLst>
+  </p:cSld>
+  <p:clrMapOvr>
+    <a:masterClrMapping/>
+  </p:clrMapOvr>
+  <p:timing>
+    <p:tnLst>
+      <p:par>
+        <p:cTn id="1" dur="indefinite" restart="never" nodeType="tmRoot"/>
+      </p:par>
+    </p:tnLst>
+  </p:timing>
+</p:sld>
+</file>
+
+<file path=ppt/slides/slide7.xml><?xml version="1.0" encoding="utf-8"?>
+<p:sld xmlns:a="http://schemas.openxmlformats.org/drawingml/2006/main" xmlns:r="http://schemas.openxmlformats.org/officeDocument/2006/relationships" xmlns:p="http://schemas.openxmlformats.org/presentationml/2006/main">
+  <p:cSld>
+    <p:spTree>
+      <p:nvGrpSpPr>
+        <p:cNvPr id="1" name=""/>
+        <p:cNvGrpSpPr/>
+        <p:nvPr/>
+      </p:nvGrpSpPr>
+      <p:grpSpPr>
+        <a:xfrm>
+          <a:off x="0" y="0"/>
+          <a:ext cx="0" cy="0"/>
+          <a:chOff x="0" y="0"/>
+          <a:chExt cx="0" cy="0"/>
+        </a:xfrm>
+      </p:grpSpPr>
+      <p:sp>
+        <p:nvSpPr>
+          <p:cNvPr id="2" name="Titel 1"/>
+          <p:cNvSpPr>
+            <a:spLocks noGrp="1"/>
+          </p:cNvSpPr>
+          <p:nvPr>
+            <p:ph type="title"/>
+          </p:nvPr>
+        </p:nvSpPr>
+        <p:spPr/>
+        <p:txBody>
           <a:bodyPr>
             <a:normAutofit/>
           </a:bodyPr>
@@ -6247,7 +6519,7 @@
           <a:p>
             <a:r>
               <a:rPr lang="de-CH" dirty="0" smtClean="0"/>
-              <a:t>Fragen</a:t>
+              <a:t>Services</a:t>
             </a:r>
             <a:endParaRPr lang="de-CH" dirty="0"/>
           </a:p>
@@ -6265,26 +6537,218 @@
         </p:nvSpPr>
         <p:spPr/>
         <p:txBody>
-          <a:bodyPr>
-            <a:normAutofit/>
-          </a:bodyPr>
+          <a:bodyPr/>
           <a:lstStyle/>
           <a:p>
             <a:pPr marL="0" indent="0">
               <a:buNone/>
             </a:pPr>
-            <a:r>
-              <a:rPr lang="de-CH" sz="20000" dirty="0" smtClean="0"/>
-              <a:t>   ?</a:t>
-            </a:r>
-            <a:endParaRPr lang="de-CH" sz="20000" dirty="0"/>
+            <a:endParaRPr lang="de-CH" dirty="0" smtClean="0"/>
+          </a:p>
+          <a:p>
+            <a:endParaRPr lang="de-CH" dirty="0"/>
+          </a:p>
+          <a:p>
+            <a:pPr marL="0" indent="0">
+              <a:buNone/>
+            </a:pPr>
+            <a:endParaRPr lang="de-CH" dirty="0"/>
           </a:p>
         </p:txBody>
       </p:sp>
     </p:spTree>
     <p:extLst>
       <p:ext uri="{BB962C8B-B14F-4D97-AF65-F5344CB8AC3E}">
-        <p14:creationId xmlns:p14="http://schemas.microsoft.com/office/powerpoint/2010/main" val="55472381"/>
+        <p14:creationId xmlns:p14="http://schemas.microsoft.com/office/powerpoint/2010/main" val="589582756"/>
+      </p:ext>
+    </p:extLst>
+  </p:cSld>
+  <p:clrMapOvr>
+    <a:masterClrMapping/>
+  </p:clrMapOvr>
+  <p:timing>
+    <p:tnLst>
+      <p:par>
+        <p:cTn id="1" dur="indefinite" restart="never" nodeType="tmRoot"/>
+      </p:par>
+    </p:tnLst>
+  </p:timing>
+</p:sld>
+</file>
+
+<file path=ppt/slides/slide8.xml><?xml version="1.0" encoding="utf-8"?>
+<p:sld xmlns:a="http://schemas.openxmlformats.org/drawingml/2006/main" xmlns:r="http://schemas.openxmlformats.org/officeDocument/2006/relationships" xmlns:p="http://schemas.openxmlformats.org/presentationml/2006/main">
+  <p:cSld>
+    <p:spTree>
+      <p:nvGrpSpPr>
+        <p:cNvPr id="1" name=""/>
+        <p:cNvGrpSpPr/>
+        <p:nvPr/>
+      </p:nvGrpSpPr>
+      <p:grpSpPr>
+        <a:xfrm>
+          <a:off x="0" y="0"/>
+          <a:ext cx="0" cy="0"/>
+          <a:chOff x="0" y="0"/>
+          <a:chExt cx="0" cy="0"/>
+        </a:xfrm>
+      </p:grpSpPr>
+      <p:sp>
+        <p:nvSpPr>
+          <p:cNvPr id="2" name="Titel 1"/>
+          <p:cNvSpPr>
+            <a:spLocks noGrp="1"/>
+          </p:cNvSpPr>
+          <p:nvPr>
+            <p:ph type="title"/>
+          </p:nvPr>
+        </p:nvSpPr>
+        <p:spPr/>
+        <p:txBody>
+          <a:bodyPr/>
+          <a:lstStyle/>
+          <a:p>
+            <a:r>
+              <a:rPr lang="de-CH" dirty="0" smtClean="0"/>
+              <a:t>Resultat</a:t>
+            </a:r>
+            <a:endParaRPr lang="de-CH" dirty="0"/>
+          </a:p>
+        </p:txBody>
+      </p:sp>
+      <p:sp>
+        <p:nvSpPr>
+          <p:cNvPr id="3" name="Inhaltsplatzhalter 2"/>
+          <p:cNvSpPr>
+            <a:spLocks noGrp="1"/>
+          </p:cNvSpPr>
+          <p:nvPr>
+            <p:ph idx="1"/>
+          </p:nvPr>
+        </p:nvSpPr>
+        <p:spPr/>
+        <p:txBody>
+          <a:bodyPr/>
+          <a:lstStyle/>
+          <a:p>
+            <a:pPr marL="0" indent="0">
+              <a:buNone/>
+            </a:pPr>
+            <a:r>
+              <a:rPr lang="de-CH" dirty="0" smtClean="0"/>
+              <a:t>Was?</a:t>
+            </a:r>
+          </a:p>
+          <a:p>
+            <a:endParaRPr lang="de-CH" dirty="0"/>
+          </a:p>
+          <a:p>
+            <a:pPr marL="0" indent="0">
+              <a:buNone/>
+            </a:pPr>
+            <a:endParaRPr lang="de-CH" dirty="0"/>
+          </a:p>
+        </p:txBody>
+      </p:sp>
+    </p:spTree>
+    <p:extLst>
+      <p:ext uri="{BB962C8B-B14F-4D97-AF65-F5344CB8AC3E}">
+        <p14:creationId xmlns:p14="http://schemas.microsoft.com/office/powerpoint/2010/main" val="1601030038"/>
+      </p:ext>
+    </p:extLst>
+  </p:cSld>
+  <p:clrMapOvr>
+    <a:masterClrMapping/>
+  </p:clrMapOvr>
+  <p:timing>
+    <p:tnLst>
+      <p:par>
+        <p:cTn id="1" dur="indefinite" restart="never" nodeType="tmRoot"/>
+      </p:par>
+    </p:tnLst>
+  </p:timing>
+</p:sld>
+</file>
+
+<file path=ppt/slides/slide9.xml><?xml version="1.0" encoding="utf-8"?>
+<p:sld xmlns:a="http://schemas.openxmlformats.org/drawingml/2006/main" xmlns:r="http://schemas.openxmlformats.org/officeDocument/2006/relationships" xmlns:p="http://schemas.openxmlformats.org/presentationml/2006/main">
+  <p:cSld>
+    <p:spTree>
+      <p:nvGrpSpPr>
+        <p:cNvPr id="1" name=""/>
+        <p:cNvGrpSpPr/>
+        <p:nvPr/>
+      </p:nvGrpSpPr>
+      <p:grpSpPr>
+        <a:xfrm>
+          <a:off x="0" y="0"/>
+          <a:ext cx="0" cy="0"/>
+          <a:chOff x="0" y="0"/>
+          <a:chExt cx="0" cy="0"/>
+        </a:xfrm>
+      </p:grpSpPr>
+      <p:sp>
+        <p:nvSpPr>
+          <p:cNvPr id="2" name="Titel 1"/>
+          <p:cNvSpPr>
+            <a:spLocks noGrp="1"/>
+          </p:cNvSpPr>
+          <p:nvPr>
+            <p:ph type="title"/>
+          </p:nvPr>
+        </p:nvSpPr>
+        <p:spPr/>
+        <p:txBody>
+          <a:bodyPr/>
+          <a:lstStyle/>
+          <a:p>
+            <a:r>
+              <a:rPr lang="de-CH" dirty="0" smtClean="0"/>
+              <a:t>Fazit</a:t>
+            </a:r>
+            <a:endParaRPr lang="de-CH" dirty="0"/>
+          </a:p>
+        </p:txBody>
+      </p:sp>
+      <p:sp>
+        <p:nvSpPr>
+          <p:cNvPr id="3" name="Inhaltsplatzhalter 2"/>
+          <p:cNvSpPr>
+            <a:spLocks noGrp="1"/>
+          </p:cNvSpPr>
+          <p:nvPr>
+            <p:ph idx="1"/>
+          </p:nvPr>
+        </p:nvSpPr>
+        <p:spPr/>
+        <p:txBody>
+          <a:bodyPr/>
+          <a:lstStyle/>
+          <a:p>
+            <a:pPr marL="0" indent="0">
+              <a:buNone/>
+            </a:pPr>
+            <a:r>
+              <a:rPr lang="de-CH" smtClean="0"/>
+              <a:t>Ja Nein Aber</a:t>
+            </a:r>
+            <a:endParaRPr lang="de-CH" dirty="0" smtClean="0"/>
+          </a:p>
+          <a:p>
+            <a:endParaRPr lang="de-CH" dirty="0"/>
+          </a:p>
+          <a:p>
+            <a:pPr marL="0" indent="0">
+              <a:buNone/>
+            </a:pPr>
+            <a:endParaRPr lang="de-CH" dirty="0"/>
+          </a:p>
+        </p:txBody>
+      </p:sp>
+    </p:spTree>
+    <p:extLst>
+      <p:ext uri="{BB962C8B-B14F-4D97-AF65-F5344CB8AC3E}">
+        <p14:creationId xmlns:p14="http://schemas.microsoft.com/office/powerpoint/2010/main" val="3092822627"/>
       </p:ext>
     </p:extLst>
   </p:cSld>
